--- a/受控文档/00-PPT/PRD2018-G11-UML建模工具简述V1.0.pptx
+++ b/受控文档/00-PPT/PRD2018-G11-UML建模工具简述V1.0.pptx
@@ -5,34 +5,34 @@
     <p:sldMasterId id="2147483648" r:id="rId1"/>
   </p:sldMasterIdLst>
   <p:notesMasterIdLst>
-    <p:notesMasterId r:id="rId4"/>
+    <p:notesMasterId r:id="rId22"/>
   </p:notesMasterIdLst>
   <p:handoutMasterIdLst>
-    <p:handoutMasterId r:id="rId24"/>
+    <p:handoutMasterId r:id="rId23"/>
   </p:handoutMasterIdLst>
   <p:sldIdLst>
-    <p:sldId id="370" r:id="rId3"/>
-    <p:sldId id="492" r:id="rId5"/>
-    <p:sldId id="439" r:id="rId6"/>
-    <p:sldId id="471" r:id="rId7"/>
-    <p:sldId id="450" r:id="rId8"/>
-    <p:sldId id="470" r:id="rId9"/>
-    <p:sldId id="533" r:id="rId10"/>
-    <p:sldId id="534" r:id="rId11"/>
-    <p:sldId id="437" r:id="rId12"/>
-    <p:sldId id="456" r:id="rId13"/>
-    <p:sldId id="535" r:id="rId14"/>
-    <p:sldId id="480" r:id="rId15"/>
-    <p:sldId id="472" r:id="rId16"/>
-    <p:sldId id="536" r:id="rId17"/>
-    <p:sldId id="537" r:id="rId18"/>
-    <p:sldId id="538" r:id="rId19"/>
-    <p:sldId id="539" r:id="rId20"/>
-    <p:sldId id="540" r:id="rId21"/>
-    <p:sldId id="532" r:id="rId22"/>
-    <p:sldId id="436" r:id="rId23"/>
+    <p:sldId id="370" r:id="rId2"/>
+    <p:sldId id="492" r:id="rId3"/>
+    <p:sldId id="439" r:id="rId4"/>
+    <p:sldId id="471" r:id="rId5"/>
+    <p:sldId id="450" r:id="rId6"/>
+    <p:sldId id="470" r:id="rId7"/>
+    <p:sldId id="533" r:id="rId8"/>
+    <p:sldId id="534" r:id="rId9"/>
+    <p:sldId id="437" r:id="rId10"/>
+    <p:sldId id="456" r:id="rId11"/>
+    <p:sldId id="535" r:id="rId12"/>
+    <p:sldId id="480" r:id="rId13"/>
+    <p:sldId id="472" r:id="rId14"/>
+    <p:sldId id="536" r:id="rId15"/>
+    <p:sldId id="537" r:id="rId16"/>
+    <p:sldId id="538" r:id="rId17"/>
+    <p:sldId id="539" r:id="rId18"/>
+    <p:sldId id="540" r:id="rId19"/>
+    <p:sldId id="532" r:id="rId20"/>
+    <p:sldId id="436" r:id="rId21"/>
   </p:sldIdLst>
-  <p:sldSz cx="12190095" cy="6859270"/>
+  <p:sldSz cx="12190413" cy="6859588"/>
   <p:notesSz cx="6858000" cy="9144000"/>
   <p:defaultTextStyle>
     <a:defPPr>
@@ -129,6 +129,51 @@
       </a:defRPr>
     </a:lvl9pPr>
   </p:defaultTextStyle>
+  <p:extLst>
+    <p:ext uri="{EFAFB233-063F-42B5-8137-9DF3F51BA10A}">
+      <p15:sldGuideLst xmlns:p15="http://schemas.microsoft.com/office/powerpoint/2012/main">
+        <p15:guide id="1" orient="horz" pos="2160">
+          <p15:clr>
+            <a:srgbClr val="A4A3A4"/>
+          </p15:clr>
+        </p15:guide>
+        <p15:guide id="2" orient="horz" pos="3901">
+          <p15:clr>
+            <a:srgbClr val="A4A3A4"/>
+          </p15:clr>
+        </p15:guide>
+        <p15:guide id="3" pos="3839">
+          <p15:clr>
+            <a:srgbClr val="A4A3A4"/>
+          </p15:clr>
+        </p15:guide>
+        <p15:guide id="4" pos="7208">
+          <p15:clr>
+            <a:srgbClr val="A4A3A4"/>
+          </p15:clr>
+        </p15:guide>
+        <p15:guide id="5" pos="573">
+          <p15:clr>
+            <a:srgbClr val="A4A3A4"/>
+          </p15:clr>
+        </p15:guide>
+      </p15:sldGuideLst>
+    </p:ext>
+    <p:ext uri="{2D200454-40CA-4A62-9FC3-DE9A4176ACB9}">
+      <p15:notesGuideLst xmlns:p15="http://schemas.microsoft.com/office/powerpoint/2012/main">
+        <p15:guide id="1" orient="horz" pos="2880">
+          <p15:clr>
+            <a:srgbClr val="A4A3A4"/>
+          </p15:clr>
+        </p15:guide>
+        <p15:guide id="2" pos="2160">
+          <p15:clr>
+            <a:srgbClr val="A4A3A4"/>
+          </p15:clr>
+        </p15:guide>
+      </p15:notesGuideLst>
+    </p:ext>
+  </p:extLst>
 </p:presentation>
 </file>
 
@@ -214,6 +259,7 @@
           <a:p>
             <a:fld id="{5D1C15E6-6BD2-4E4B-B1D4-218C26E1B228}" type="datetimeFigureOut">
               <a:rPr lang="zh-CN" altLang="en-US" smtClean="0"/>
+              <a:t>2018/10/24</a:t>
             </a:fld>
             <a:endParaRPr lang="zh-CN" altLang="en-US"/>
           </a:p>
@@ -279,6 +325,7 @@
           <a:p>
             <a:fld id="{E655EDCA-2189-4435-B38B-6F3C2C044356}" type="slidenum">
               <a:rPr lang="zh-CN" altLang="en-US" smtClean="0"/>
+              <a:t>‹#›</a:t>
             </a:fld>
             <a:endParaRPr lang="zh-CN" altLang="en-US"/>
           </a:p>
@@ -372,6 +419,7 @@
           <a:p>
             <a:fld id="{0B17430C-5A66-4BD0-A971-34190B6C6019}" type="datetimeFigureOut">
               <a:rPr lang="zh-CN" altLang="en-US" smtClean="0"/>
+              <a:t>2018/10/24</a:t>
             </a:fld>
             <a:endParaRPr lang="zh-CN" altLang="en-US"/>
           </a:p>
@@ -438,7 +486,6 @@
               <a:rPr lang="zh-CN" altLang="en-US" smtClean="0"/>
               <a:t>单击此处编辑母版文本样式</a:t>
             </a:r>
-            <a:endParaRPr lang="zh-CN" altLang="en-US" smtClean="0"/>
           </a:p>
           <a:p>
             <a:pPr lvl="1"/>
@@ -446,7 +493,6 @@
               <a:rPr lang="zh-CN" altLang="en-US" smtClean="0"/>
               <a:t>第二级</a:t>
             </a:r>
-            <a:endParaRPr lang="zh-CN" altLang="en-US" smtClean="0"/>
           </a:p>
           <a:p>
             <a:pPr lvl="2"/>
@@ -454,7 +500,6 @@
               <a:rPr lang="zh-CN" altLang="en-US" smtClean="0"/>
               <a:t>第三级</a:t>
             </a:r>
-            <a:endParaRPr lang="zh-CN" altLang="en-US" smtClean="0"/>
           </a:p>
           <a:p>
             <a:pPr lvl="3"/>
@@ -462,7 +507,6 @@
               <a:rPr lang="zh-CN" altLang="en-US" smtClean="0"/>
               <a:t>第四级</a:t>
             </a:r>
-            <a:endParaRPr lang="zh-CN" altLang="en-US" smtClean="0"/>
           </a:p>
           <a:p>
             <a:pPr lvl="4"/>
@@ -534,6 +578,7 @@
           <a:p>
             <a:fld id="{74AC173A-3DA8-4893-B28A-1E15F55C330A}" type="slidenum">
               <a:rPr lang="zh-CN" altLang="en-US" smtClean="0"/>
+              <a:t>‹#›</a:t>
             </a:fld>
             <a:endParaRPr lang="zh-CN" altLang="en-US"/>
           </a:p>
@@ -702,6 +747,7 @@
           <a:p>
             <a:fld id="{74AC173A-3DA8-4893-B28A-1E15F55C330A}" type="slidenum">
               <a:rPr lang="zh-CN" altLang="en-US" smtClean="0"/>
+              <a:t>1</a:t>
             </a:fld>
             <a:endParaRPr lang="zh-CN" altLang="en-US"/>
           </a:p>
@@ -780,6 +826,7 @@
           <a:p>
             <a:fld id="{74AC173A-3DA8-4893-B28A-1E15F55C330A}" type="slidenum">
               <a:rPr lang="zh-CN" altLang="en-US" smtClean="0"/>
+              <a:t>2</a:t>
             </a:fld>
             <a:endParaRPr lang="zh-CN" altLang="en-US"/>
           </a:p>
@@ -858,6 +905,7 @@
           <a:p>
             <a:fld id="{74AC173A-3DA8-4893-B28A-1E15F55C330A}" type="slidenum">
               <a:rPr lang="zh-CN" altLang="en-US" smtClean="0"/>
+              <a:t>18</a:t>
             </a:fld>
             <a:endParaRPr lang="zh-CN" altLang="en-US"/>
           </a:p>
@@ -936,6 +984,7 @@
           <a:p>
             <a:fld id="{74AC173A-3DA8-4893-B28A-1E15F55C330A}" type="slidenum">
               <a:rPr lang="zh-CN" altLang="en-US" smtClean="0"/>
+              <a:t>19</a:t>
             </a:fld>
             <a:endParaRPr lang="zh-CN" altLang="en-US"/>
           </a:p>
@@ -1014,6 +1063,7 @@
           <a:p>
             <a:fld id="{74AC173A-3DA8-4893-B28A-1E15F55C330A}" type="slidenum">
               <a:rPr lang="zh-CN" altLang="en-US" smtClean="0"/>
+              <a:t>20</a:t>
             </a:fld>
             <a:endParaRPr lang="zh-CN" altLang="en-US"/>
           </a:p>
@@ -1225,6 +1275,7 @@
                 <a:latin typeface="微软雅黑" panose="020B0503020204020204" pitchFamily="34" charset="-122"/>
                 <a:ea typeface="微软雅黑" panose="020B0503020204020204" pitchFamily="34" charset="-122"/>
               </a:rPr>
+              <a:t>‹#›</a:t>
             </a:fld>
             <a:r>
               <a:rPr lang="zh-CN" altLang="en-US" sz="1800" dirty="0" smtClean="0">
@@ -2154,6 +2205,7 @@
           <a:p>
             <a:fld id="{530820CF-B880-4189-942D-D702A7CBA730}" type="datetimeFigureOut">
               <a:rPr lang="zh-CN" altLang="en-US" smtClean="0"/>
+              <a:t>2018/10/24</a:t>
             </a:fld>
             <a:endParaRPr lang="zh-CN" altLang="en-US"/>
           </a:p>
@@ -2211,6 +2263,7 @@
           <a:p>
             <a:fld id="{0C913308-F349-4B6D-A68A-DD1791B4A57B}" type="slidenum">
               <a:rPr lang="zh-CN" altLang="en-US" smtClean="0"/>
+              <a:t>‹#›</a:t>
             </a:fld>
             <a:endParaRPr lang="zh-CN" altLang="en-US"/>
           </a:p>
@@ -2269,6 +2322,7 @@
           <a:p>
             <a:fld id="{530820CF-B880-4189-942D-D702A7CBA730}" type="datetimeFigureOut">
               <a:rPr lang="zh-CN" altLang="en-US" smtClean="0"/>
+              <a:t>2018/10/24</a:t>
             </a:fld>
             <a:endParaRPr lang="zh-CN" altLang="en-US"/>
           </a:p>
@@ -2326,6 +2380,7 @@
           <a:p>
             <a:fld id="{0C913308-F349-4B6D-A68A-DD1791B4A57B}" type="slidenum">
               <a:rPr lang="zh-CN" altLang="en-US" smtClean="0"/>
+              <a:t>‹#›</a:t>
             </a:fld>
             <a:endParaRPr lang="zh-CN" altLang="en-US"/>
           </a:p>
@@ -3464,14 +3519,6 @@
               </a:rPr>
               <a:t>浙江大学城市学院</a:t>
             </a:r>
-            <a:endParaRPr lang="zh-CN" altLang="en-US" kern="300" spc="2000">
-              <a:solidFill>
-                <a:schemeClr val="tx1"/>
-              </a:solidFill>
-              <a:uFillTx/>
-              <a:latin typeface="+中文标题" charset="0"/>
-              <a:ea typeface="+mj-ea"/>
-            </a:endParaRPr>
           </a:p>
         </p:txBody>
       </p:sp>
@@ -3480,13 +3527,13 @@
   <p:clrMapOvr>
     <a:masterClrMapping/>
   </p:clrMapOvr>
-  <mc:AlternateContent xmlns:mc="http://schemas.openxmlformats.org/markup-compatibility/2006">
-    <mc:Choice xmlns:p14="http://schemas.microsoft.com/office/powerpoint/2010/main" Requires="p14">
+  <mc:AlternateContent xmlns:mc="http://schemas.openxmlformats.org/markup-compatibility/2006" xmlns:p14="http://schemas.microsoft.com/office/powerpoint/2010/main">
+    <mc:Choice Requires="p14">
       <p:transition spd="slow" p14:dur="1600" advClick="0" advTm="0">
         <p:blinds dir="vert"/>
       </p:transition>
     </mc:Choice>
-    <mc:Fallback>
+    <mc:Fallback xmlns="">
       <p:transition spd="slow" advClick="0" advTm="0">
         <p:blinds dir="vert"/>
       </p:transition>
@@ -4398,7 +4445,6 @@
               <a:rPr lang="en-US" sz="2400" dirty="0"/>
               <a:t>3</a:t>
             </a:r>
-            <a:endParaRPr lang="en-US" sz="2400" dirty="0"/>
           </a:p>
         </p:txBody>
       </p:sp>
@@ -4463,8 +4509,20 @@
                 <a:tableStyleId>{5C22544A-7EE6-4342-B048-85BDC9FD1C3A}</a:tableStyleId>
               </a:tblPr>
               <a:tblGrid>
-                <a:gridCol w="2739588"/>
-                <a:gridCol w="7315946"/>
+                <a:gridCol w="2739588">
+                  <a:extLst>
+                    <a:ext uri="{9D8B030D-6E8A-4147-A177-3AD203B41FA5}">
+                      <a16:colId xmlns:a16="http://schemas.microsoft.com/office/drawing/2014/main" val="20000"/>
+                    </a:ext>
+                  </a:extLst>
+                </a:gridCol>
+                <a:gridCol w="7315946">
+                  <a:extLst>
+                    <a:ext uri="{9D8B030D-6E8A-4147-A177-3AD203B41FA5}">
+                      <a16:colId xmlns:a16="http://schemas.microsoft.com/office/drawing/2014/main" val="20001"/>
+                    </a:ext>
+                  </a:extLst>
+                </a:gridCol>
               </a:tblGrid>
               <a:tr h="278216">
                 <a:tc>
@@ -4525,6 +4583,11 @@
                   </a:txBody>
                   <a:tcPr marL="72920" marR="72920" marT="0" marB="0"/>
                 </a:tc>
+                <a:extLst>
+                  <a:ext uri="{0D108BD9-81ED-4DB2-BD59-A6C34878D82A}">
+                    <a16:rowId xmlns:a16="http://schemas.microsoft.com/office/drawing/2014/main" val="10000"/>
+                  </a:ext>
+                </a:extLst>
               </a:tr>
               <a:tr h="556430">
                 <a:tc>
@@ -4603,6 +4666,11 @@
                   </a:txBody>
                   <a:tcPr marL="72920" marR="72920" marT="0" marB="0" anchor="ctr"/>
                 </a:tc>
+                <a:extLst>
+                  <a:ext uri="{0D108BD9-81ED-4DB2-BD59-A6C34878D82A}">
+                    <a16:rowId xmlns:a16="http://schemas.microsoft.com/office/drawing/2014/main" val="10001"/>
+                  </a:ext>
+                </a:extLst>
               </a:tr>
               <a:tr h="556430">
                 <a:tc>
@@ -4669,6 +4737,11 @@
                   </a:txBody>
                   <a:tcPr marL="72920" marR="72920" marT="0" marB="0" anchor="ctr"/>
                 </a:tc>
+                <a:extLst>
+                  <a:ext uri="{0D108BD9-81ED-4DB2-BD59-A6C34878D82A}">
+                    <a16:rowId xmlns:a16="http://schemas.microsoft.com/office/drawing/2014/main" val="10002"/>
+                  </a:ext>
+                </a:extLst>
               </a:tr>
               <a:tr h="1112860">
                 <a:tc>
@@ -4747,6 +4820,11 @@
                   </a:txBody>
                   <a:tcPr marL="72920" marR="72920" marT="0" marB="0" anchor="ctr"/>
                 </a:tc>
+                <a:extLst>
+                  <a:ext uri="{0D108BD9-81ED-4DB2-BD59-A6C34878D82A}">
+                    <a16:rowId xmlns:a16="http://schemas.microsoft.com/office/drawing/2014/main" val="10003"/>
+                  </a:ext>
+                </a:extLst>
               </a:tr>
               <a:tr h="556430">
                 <a:tc>
@@ -4813,6 +4891,11 @@
                   </a:txBody>
                   <a:tcPr marL="72920" marR="72920" marT="0" marB="0" anchor="ctr"/>
                 </a:tc>
+                <a:extLst>
+                  <a:ext uri="{0D108BD9-81ED-4DB2-BD59-A6C34878D82A}">
+                    <a16:rowId xmlns:a16="http://schemas.microsoft.com/office/drawing/2014/main" val="10004"/>
+                  </a:ext>
+                </a:extLst>
               </a:tr>
               <a:tr h="278216">
                 <a:tc>
@@ -4879,6 +4962,11 @@
                   </a:txBody>
                   <a:tcPr marL="72920" marR="72920" marT="0" marB="0" anchor="ctr"/>
                 </a:tc>
+                <a:extLst>
+                  <a:ext uri="{0D108BD9-81ED-4DB2-BD59-A6C34878D82A}">
+                    <a16:rowId xmlns:a16="http://schemas.microsoft.com/office/drawing/2014/main" val="10005"/>
+                  </a:ext>
+                </a:extLst>
               </a:tr>
               <a:tr h="278216">
                 <a:tc>
@@ -4945,6 +5033,11 @@
                   </a:txBody>
                   <a:tcPr marL="72920" marR="72920" marT="0" marB="0" anchor="ctr"/>
                 </a:tc>
+                <a:extLst>
+                  <a:ext uri="{0D108BD9-81ED-4DB2-BD59-A6C34878D82A}">
+                    <a16:rowId xmlns:a16="http://schemas.microsoft.com/office/drawing/2014/main" val="10006"/>
+                  </a:ext>
+                </a:extLst>
               </a:tr>
               <a:tr h="556430">
                 <a:tc>
@@ -5011,6 +5104,11 @@
                   </a:txBody>
                   <a:tcPr marL="72920" marR="72920" marT="0" marB="0" anchor="ctr"/>
                 </a:tc>
+                <a:extLst>
+                  <a:ext uri="{0D108BD9-81ED-4DB2-BD59-A6C34878D82A}">
+                    <a16:rowId xmlns:a16="http://schemas.microsoft.com/office/drawing/2014/main" val="10007"/>
+                  </a:ext>
+                </a:extLst>
               </a:tr>
               <a:tr h="556430">
                 <a:tc>
@@ -5077,6 +5175,11 @@
                   </a:txBody>
                   <a:tcPr marL="72920" marR="72920" marT="0" marB="0" anchor="ctr"/>
                 </a:tc>
+                <a:extLst>
+                  <a:ext uri="{0D108BD9-81ED-4DB2-BD59-A6C34878D82A}">
+                    <a16:rowId xmlns:a16="http://schemas.microsoft.com/office/drawing/2014/main" val="10008"/>
+                  </a:ext>
+                </a:extLst>
               </a:tr>
               <a:tr h="556430">
                 <a:tc>
@@ -5143,6 +5246,11 @@
                   </a:txBody>
                   <a:tcPr marL="72920" marR="72920" marT="0" marB="0" anchor="ctr"/>
                 </a:tc>
+                <a:extLst>
+                  <a:ext uri="{0D108BD9-81ED-4DB2-BD59-A6C34878D82A}">
+                    <a16:rowId xmlns:a16="http://schemas.microsoft.com/office/drawing/2014/main" val="10009"/>
+                  </a:ext>
+                </a:extLst>
               </a:tr>
               <a:tr h="556430">
                 <a:tc>
@@ -5209,6 +5317,11 @@
                   </a:txBody>
                   <a:tcPr marL="72920" marR="72920" marT="0" marB="0" anchor="ctr"/>
                 </a:tc>
+                <a:extLst>
+                  <a:ext uri="{0D108BD9-81ED-4DB2-BD59-A6C34878D82A}">
+                    <a16:rowId xmlns:a16="http://schemas.microsoft.com/office/drawing/2014/main" val="10010"/>
+                  </a:ext>
+                </a:extLst>
               </a:tr>
             </a:tbl>
           </a:graphicData>
@@ -5341,7 +5454,6 @@
               <a:rPr lang="en-US" sz="2400" dirty="0"/>
               <a:t>3</a:t>
             </a:r>
-            <a:endParaRPr lang="en-US" sz="2400" dirty="0"/>
           </a:p>
         </p:txBody>
       </p:sp>
@@ -5396,7 +5508,7 @@
           <p:nvPr/>
         </p:nvPicPr>
         <p:blipFill>
-          <a:blip r:embed="rId1">
+          <a:blip r:embed="rId2">
             <a:extLst>
               <a:ext uri="{28A0092B-C50C-407E-A947-70E740481C1C}">
                 <a14:useLocalDpi xmlns:a14="http://schemas.microsoft.com/office/drawing/2010/main" val="0"/>
@@ -5658,7 +5770,6 @@
               <a:rPr lang="en-US" altLang="zh-CN" sz="2400" dirty="0"/>
               <a:t>4</a:t>
             </a:r>
-            <a:endParaRPr lang="en-US" altLang="zh-CN" sz="2400" dirty="0"/>
           </a:p>
         </p:txBody>
       </p:sp>
@@ -6964,13 +7075,6 @@
               </a:rPr>
               <a:t>模型</a:t>
             </a:r>
-            <a:endParaRPr lang="zh-CN" altLang="en-US" sz="2665" dirty="0">
-              <a:solidFill>
-                <a:srgbClr val="183A5D"/>
-              </a:solidFill>
-              <a:latin typeface="微软雅黑" panose="020B0503020204020204" pitchFamily="34" charset="-122"/>
-              <a:ea typeface="微软雅黑" panose="020B0503020204020204" pitchFamily="34" charset="-122"/>
-            </a:endParaRPr>
           </a:p>
         </p:txBody>
       </p:sp>
@@ -6983,7 +7087,7 @@
           <p:nvPr/>
         </p:nvPicPr>
         <p:blipFill>
-          <a:blip r:embed="rId1"/>
+          <a:blip r:embed="rId2"/>
           <a:stretch>
             <a:fillRect/>
           </a:stretch>
@@ -7007,7 +7111,7 @@
           <p:nvPr/>
         </p:nvPicPr>
         <p:blipFill>
-          <a:blip r:embed="rId2"/>
+          <a:blip r:embed="rId3"/>
           <a:stretch>
             <a:fillRect/>
           </a:stretch>
@@ -7031,7 +7135,7 @@
           <p:nvPr/>
         </p:nvPicPr>
         <p:blipFill>
-          <a:blip r:embed="rId3"/>
+          <a:blip r:embed="rId4"/>
           <a:stretch>
             <a:fillRect/>
           </a:stretch>
@@ -7055,7 +7159,7 @@
           <p:nvPr/>
         </p:nvPicPr>
         <p:blipFill>
-          <a:blip r:embed="rId4"/>
+          <a:blip r:embed="rId5"/>
           <a:stretch>
             <a:fillRect/>
           </a:stretch>
@@ -7079,7 +7183,7 @@
           <p:nvPr/>
         </p:nvPicPr>
         <p:blipFill>
-          <a:blip r:embed="rId5"/>
+          <a:blip r:embed="rId6"/>
           <a:stretch>
             <a:fillRect/>
           </a:stretch>
@@ -7103,7 +7207,7 @@
           <p:nvPr/>
         </p:nvPicPr>
         <p:blipFill>
-          <a:blip r:embed="rId6"/>
+          <a:blip r:embed="rId7"/>
           <a:stretch>
             <a:fillRect/>
           </a:stretch>
@@ -7127,7 +7231,7 @@
           <p:nvPr/>
         </p:nvPicPr>
         <p:blipFill>
-          <a:blip r:embed="rId7"/>
+          <a:blip r:embed="rId8"/>
           <a:stretch>
             <a:fillRect/>
           </a:stretch>
@@ -7929,7 +8033,6 @@
               <a:rPr lang="en-US" altLang="zh-CN" sz="2400" dirty="0"/>
               <a:t>4</a:t>
             </a:r>
-            <a:endParaRPr lang="en-US" altLang="zh-CN" sz="2400" dirty="0"/>
           </a:p>
         </p:txBody>
       </p:sp>
@@ -7984,7 +8087,7 @@
           <p:nvPr/>
         </p:nvPicPr>
         <p:blipFill>
-          <a:blip r:embed="rId1"/>
+          <a:blip r:embed="rId2"/>
           <a:stretch>
             <a:fillRect/>
           </a:stretch>
@@ -8008,7 +8111,7 @@
           <p:nvPr/>
         </p:nvPicPr>
         <p:blipFill>
-          <a:blip r:embed="rId2"/>
+          <a:blip r:embed="rId3"/>
           <a:stretch>
             <a:fillRect/>
           </a:stretch>
@@ -8370,7 +8473,6 @@
               <a:rPr lang="en-US" altLang="zh-CN" sz="2400" dirty="0"/>
               <a:t>4</a:t>
             </a:r>
-            <a:endParaRPr lang="en-US" altLang="zh-CN" sz="2400" dirty="0"/>
           </a:p>
         </p:txBody>
       </p:sp>
@@ -8455,7 +8557,7 @@
           <p:nvPr/>
         </p:nvPicPr>
         <p:blipFill>
-          <a:blip r:embed="rId1"/>
+          <a:blip r:embed="rId2"/>
           <a:stretch>
             <a:fillRect/>
           </a:stretch>
@@ -8479,7 +8581,7 @@
           <p:nvPr/>
         </p:nvPicPr>
         <p:blipFill>
-          <a:blip r:embed="rId2"/>
+          <a:blip r:embed="rId3"/>
           <a:stretch>
             <a:fillRect/>
           </a:stretch>
@@ -8503,7 +8605,7 @@
           <p:nvPr/>
         </p:nvPicPr>
         <p:blipFill>
-          <a:blip r:embed="rId3"/>
+          <a:blip r:embed="rId4"/>
           <a:stretch>
             <a:fillRect/>
           </a:stretch>
@@ -8527,7 +8629,7 @@
           <p:nvPr/>
         </p:nvPicPr>
         <p:blipFill>
-          <a:blip r:embed="rId4"/>
+          <a:blip r:embed="rId5"/>
           <a:stretch>
             <a:fillRect/>
           </a:stretch>
@@ -8551,7 +8653,7 @@
           <p:nvPr/>
         </p:nvPicPr>
         <p:blipFill>
-          <a:blip r:embed="rId5"/>
+          <a:blip r:embed="rId6"/>
           <a:stretch>
             <a:fillRect/>
           </a:stretch>
@@ -8575,7 +8677,7 @@
           <p:nvPr/>
         </p:nvPicPr>
         <p:blipFill>
-          <a:blip r:embed="rId6"/>
+          <a:blip r:embed="rId7"/>
           <a:stretch>
             <a:fillRect/>
           </a:stretch>
@@ -10460,13 +10562,6 @@
               </a:rPr>
               <a:t>提问</a:t>
             </a:r>
-            <a:endParaRPr lang="zh-CN" altLang="en-US" sz="2665" dirty="0">
-              <a:solidFill>
-                <a:srgbClr val="183A5D"/>
-              </a:solidFill>
-              <a:latin typeface="微软雅黑" panose="020B0503020204020204" pitchFamily="34" charset="-122"/>
-              <a:ea typeface="微软雅黑" panose="020B0503020204020204" pitchFamily="34" charset="-122"/>
-            </a:endParaRPr>
           </a:p>
         </p:txBody>
       </p:sp>
@@ -11662,8 +11757,20 @@
                 <a:tableStyleId>{5C22544A-7EE6-4342-B048-85BDC9FD1C3A}</a:tableStyleId>
               </a:tblPr>
               <a:tblGrid>
-                <a:gridCol w="2738864"/>
-                <a:gridCol w="4245610"/>
+                <a:gridCol w="2738864">
+                  <a:extLst>
+                    <a:ext uri="{9D8B030D-6E8A-4147-A177-3AD203B41FA5}">
+                      <a16:colId xmlns:a16="http://schemas.microsoft.com/office/drawing/2014/main" val="20000"/>
+                    </a:ext>
+                  </a:extLst>
+                </a:gridCol>
+                <a:gridCol w="4245610">
+                  <a:extLst>
+                    <a:ext uri="{9D8B030D-6E8A-4147-A177-3AD203B41FA5}">
+                      <a16:colId xmlns:a16="http://schemas.microsoft.com/office/drawing/2014/main" val="20001"/>
+                    </a:ext>
+                  </a:extLst>
+                </a:gridCol>
               </a:tblGrid>
               <a:tr h="1322630">
                 <a:tc>
@@ -11695,11 +11802,6 @@
                         </a:rPr>
                         <a:t>UML用户指南（第2版·修订版）</a:t>
                       </a:r>
-                      <a:endParaRPr sz="2400" b="0" dirty="0" smtClean="0">
-                        <a:solidFill>
-                          <a:schemeClr val="tx1"/>
-                        </a:solidFill>
-                      </a:endParaRPr>
                     </a:p>
                     <a:p>
                       <a:pPr algn="l">
@@ -11775,11 +11877,6 @@
                         </a:rPr>
                         <a:t>Ivar Jacobson</a:t>
                       </a:r>
-                      <a:endParaRPr lang="en-US" altLang="zh-CN" sz="2400" b="0" dirty="0" smtClean="0">
-                        <a:solidFill>
-                          <a:schemeClr val="tx1"/>
-                        </a:solidFill>
-                      </a:endParaRPr>
                     </a:p>
                     <a:p>
                       <a:pPr algn="l"/>
@@ -11847,11 +11944,6 @@
                         </a:rPr>
                         <a:t>版</a:t>
                       </a:r>
-                      <a:endParaRPr lang="zh-CN" altLang="en-US" sz="2400" b="0" dirty="0" smtClean="0">
-                        <a:solidFill>
-                          <a:schemeClr val="tx1"/>
-                        </a:solidFill>
-                      </a:endParaRPr>
                     </a:p>
                   </a:txBody>
                   <a:tcPr>
@@ -11863,6 +11955,11 @@
                     </a:solidFill>
                   </a:tcPr>
                 </a:tc>
+                <a:extLst>
+                  <a:ext uri="{0D108BD9-81ED-4DB2-BD59-A6C34878D82A}">
+                    <a16:rowId xmlns:a16="http://schemas.microsoft.com/office/drawing/2014/main" val="10000"/>
+                  </a:ext>
+                </a:extLst>
               </a:tr>
               <a:tr h="894720">
                 <a:tc>
@@ -11881,11 +11978,6 @@
                         </a:rPr>
                         <a:t>UML2基础、建模与设计教程</a:t>
                       </a:r>
-                      <a:endParaRPr dirty="0" smtClean="0">
-                        <a:solidFill>
-                          <a:schemeClr val="tx1"/>
-                        </a:solidFill>
-                      </a:endParaRPr>
                     </a:p>
                   </a:txBody>
                   <a:tcPr/>
@@ -11959,6 +12051,11 @@
                   </a:txBody>
                   <a:tcPr/>
                 </a:tc>
+                <a:extLst>
+                  <a:ext uri="{0D108BD9-81ED-4DB2-BD59-A6C34878D82A}">
+                    <a16:rowId xmlns:a16="http://schemas.microsoft.com/office/drawing/2014/main" val="10001"/>
+                  </a:ext>
+                </a:extLst>
               </a:tr>
               <a:tr h="1167026">
                 <a:tc>
@@ -12107,6 +12204,11 @@
                     </a:solidFill>
                   </a:tcPr>
                 </a:tc>
+                <a:extLst>
+                  <a:ext uri="{0D108BD9-81ED-4DB2-BD59-A6C34878D82A}">
+                    <a16:rowId xmlns:a16="http://schemas.microsoft.com/office/drawing/2014/main" val="10002"/>
+                  </a:ext>
+                </a:extLst>
               </a:tr>
             </a:tbl>
           </a:graphicData>
@@ -12117,13 +12219,13 @@
   <p:clrMapOvr>
     <a:masterClrMapping/>
   </p:clrMapOvr>
-  <mc:AlternateContent xmlns:mc="http://schemas.openxmlformats.org/markup-compatibility/2006">
-    <mc:Choice xmlns:p14="http://schemas.microsoft.com/office/powerpoint/2010/main" Requires="p14">
+  <mc:AlternateContent xmlns:mc="http://schemas.openxmlformats.org/markup-compatibility/2006" xmlns:p14="http://schemas.microsoft.com/office/powerpoint/2010/main">
+    <mc:Choice Requires="p14">
       <p:transition spd="slow" p14:dur="1200" advClick="0" advTm="0">
         <p14:prism/>
       </p:transition>
     </mc:Choice>
-    <mc:Fallback>
+    <mc:Fallback xmlns="">
       <p:transition spd="slow" advClick="0" advTm="0">
         <p:fade/>
       </p:transition>
@@ -12501,13 +12603,6 @@
               </a:rPr>
               <a:t>绩效考评与分工</a:t>
             </a:r>
-            <a:endParaRPr lang="zh-CN" altLang="en-US" sz="3200" b="1" dirty="0" smtClean="0">
-              <a:solidFill>
-                <a:schemeClr val="bg1"/>
-              </a:solidFill>
-              <a:latin typeface="微软雅黑" panose="020B0503020204020204" pitchFamily="34" charset="-122"/>
-              <a:ea typeface="微软雅黑" panose="020B0503020204020204" pitchFamily="34" charset="-122"/>
-            </a:endParaRPr>
           </a:p>
         </p:txBody>
       </p:sp>
@@ -12519,7 +12614,7 @@
         </p:nvGraphicFramePr>
         <p:xfrm>
           <a:off x="3181985" y="459740"/>
-          <a:ext cx="7771130" cy="4192270"/>
+          <a:ext cx="7771130" cy="4373880"/>
         </p:xfrm>
         <a:graphic>
           <a:graphicData uri="http://schemas.openxmlformats.org/drawingml/2006/table">
@@ -12528,9 +12623,27 @@
                 <a:tableStyleId>{5C22544A-7EE6-4342-B048-85BDC9FD1C3A}</a:tableStyleId>
               </a:tblPr>
               <a:tblGrid>
-                <a:gridCol w="1895475"/>
-                <a:gridCol w="2937510"/>
-                <a:gridCol w="2938145"/>
+                <a:gridCol w="1895475">
+                  <a:extLst>
+                    <a:ext uri="{9D8B030D-6E8A-4147-A177-3AD203B41FA5}">
+                      <a16:colId xmlns:a16="http://schemas.microsoft.com/office/drawing/2014/main" val="20000"/>
+                    </a:ext>
+                  </a:extLst>
+                </a:gridCol>
+                <a:gridCol w="2937510">
+                  <a:extLst>
+                    <a:ext uri="{9D8B030D-6E8A-4147-A177-3AD203B41FA5}">
+                      <a16:colId xmlns:a16="http://schemas.microsoft.com/office/drawing/2014/main" val="20001"/>
+                    </a:ext>
+                  </a:extLst>
+                </a:gridCol>
+                <a:gridCol w="2938145">
+                  <a:extLst>
+                    <a:ext uri="{9D8B030D-6E8A-4147-A177-3AD203B41FA5}">
+                      <a16:colId xmlns:a16="http://schemas.microsoft.com/office/drawing/2014/main" val="20002"/>
+                    </a:ext>
+                  </a:extLst>
+                </a:gridCol>
               </a:tblGrid>
               <a:tr h="713740">
                 <a:tc>
@@ -12549,11 +12662,6 @@
                         </a:rPr>
                         <a:t>黄为波</a:t>
                       </a:r>
-                      <a:endParaRPr lang="zh-CN" altLang="en-US" b="0" dirty="0">
-                        <a:solidFill>
-                          <a:schemeClr val="tx1"/>
-                        </a:solidFill>
-                      </a:endParaRPr>
                     </a:p>
                   </a:txBody>
                   <a:tcPr>
@@ -12653,11 +12761,6 @@
                         </a:rPr>
                         <a:t>9.3</a:t>
                       </a:r>
-                      <a:endParaRPr lang="en-US" altLang="zh-CN" sz="2400" b="0" dirty="0" smtClean="0">
-                        <a:solidFill>
-                          <a:schemeClr val="tx1"/>
-                        </a:solidFill>
-                      </a:endParaRPr>
                     </a:p>
                   </a:txBody>
                   <a:tcPr>
@@ -12669,6 +12772,11 @@
                     </a:solidFill>
                   </a:tcPr>
                 </a:tc>
+                <a:extLst>
+                  <a:ext uri="{0D108BD9-81ED-4DB2-BD59-A6C34878D82A}">
+                    <a16:rowId xmlns:a16="http://schemas.microsoft.com/office/drawing/2014/main" val="10000"/>
+                  </a:ext>
+                </a:extLst>
               </a:tr>
               <a:tr h="716915">
                 <a:tc>
@@ -12687,11 +12795,6 @@
                         </a:rPr>
                         <a:t>苏雨豪</a:t>
                       </a:r>
-                      <a:endParaRPr lang="zh-CN" altLang="en-US" dirty="0" smtClean="0">
-                        <a:solidFill>
-                          <a:schemeClr val="tx1"/>
-                        </a:solidFill>
-                      </a:endParaRPr>
                     </a:p>
                   </a:txBody>
                   <a:tcPr/>
@@ -12755,15 +12858,15 @@
                         </a:rPr>
                         <a:t>9.4</a:t>
                       </a:r>
-                      <a:endParaRPr lang="en-US" altLang="zh-CN" dirty="0" smtClean="0">
-                        <a:solidFill>
-                          <a:schemeClr val="tx1"/>
-                        </a:solidFill>
-                      </a:endParaRPr>
                     </a:p>
                   </a:txBody>
                   <a:tcPr/>
                 </a:tc>
+                <a:extLst>
+                  <a:ext uri="{0D108BD9-81ED-4DB2-BD59-A6C34878D82A}">
+                    <a16:rowId xmlns:a16="http://schemas.microsoft.com/office/drawing/2014/main" val="10001"/>
+                  </a:ext>
+                </a:extLst>
               </a:tr>
               <a:tr h="805815">
                 <a:tc>
@@ -12782,11 +12885,6 @@
                         </a:rPr>
                         <a:t>陈子卿</a:t>
                       </a:r>
-                      <a:endParaRPr lang="zh-CN" dirty="0" smtClean="0">
-                        <a:solidFill>
-                          <a:schemeClr val="tx1"/>
-                        </a:solidFill>
-                      </a:endParaRPr>
                     </a:p>
                   </a:txBody>
                   <a:tcPr>
@@ -12864,11 +12962,6 @@
                         </a:rPr>
                         <a:t>9.6</a:t>
                       </a:r>
-                      <a:endParaRPr lang="en-US" altLang="zh-CN" dirty="0" smtClean="0">
-                        <a:solidFill>
-                          <a:schemeClr val="tx1"/>
-                        </a:solidFill>
-                      </a:endParaRPr>
                     </a:p>
                   </a:txBody>
                   <a:tcPr>
@@ -12880,6 +12973,11 @@
                     </a:solidFill>
                   </a:tcPr>
                 </a:tc>
+                <a:extLst>
+                  <a:ext uri="{0D108BD9-81ED-4DB2-BD59-A6C34878D82A}">
+                    <a16:rowId xmlns:a16="http://schemas.microsoft.com/office/drawing/2014/main" val="10002"/>
+                  </a:ext>
+                </a:extLst>
               </a:tr>
               <a:tr h="733425">
                 <a:tc>
@@ -12898,11 +12996,6 @@
                         </a:rPr>
                         <a:t>蔡峰</a:t>
                       </a:r>
-                      <a:endParaRPr lang="zh-CN" altLang="en-US" dirty="0" smtClean="0">
-                        <a:solidFill>
-                          <a:schemeClr val="tx1"/>
-                        </a:solidFill>
-                      </a:endParaRPr>
                     </a:p>
                   </a:txBody>
                   <a:tcPr>
@@ -13009,6 +13102,11 @@
                     </a:solidFill>
                   </a:tcPr>
                 </a:tc>
+                <a:extLst>
+                  <a:ext uri="{0D108BD9-81ED-4DB2-BD59-A6C34878D82A}">
+                    <a16:rowId xmlns:a16="http://schemas.microsoft.com/office/drawing/2014/main" val="10003"/>
+                  </a:ext>
+                </a:extLst>
               </a:tr>
               <a:tr h="732790">
                 <a:tc>
@@ -13027,11 +13125,6 @@
                         </a:rPr>
                         <a:t>江亮儒</a:t>
                       </a:r>
-                      <a:endParaRPr lang="zh-CN" altLang="en-US" dirty="0" smtClean="0">
-                        <a:solidFill>
-                          <a:schemeClr val="tx1"/>
-                        </a:solidFill>
-                      </a:endParaRPr>
                     </a:p>
                   </a:txBody>
                   <a:tcPr>
@@ -13083,11 +13176,6 @@
                         </a:rPr>
                         <a:t>，落实小组开发环境</a:t>
                       </a:r>
-                      <a:endParaRPr lang="zh-CN" altLang="en-US" dirty="0" smtClean="0">
-                        <a:solidFill>
-                          <a:schemeClr val="tx1"/>
-                        </a:solidFill>
-                      </a:endParaRPr>
                     </a:p>
                   </a:txBody>
                   <a:tcPr>
@@ -13115,11 +13203,6 @@
                         </a:rPr>
                         <a:t>9.7</a:t>
                       </a:r>
-                      <a:endParaRPr lang="en-US" altLang="zh-CN" dirty="0" smtClean="0">
-                        <a:solidFill>
-                          <a:schemeClr val="tx1"/>
-                        </a:solidFill>
-                      </a:endParaRPr>
                     </a:p>
                   </a:txBody>
                   <a:tcPr>
@@ -13131,6 +13214,11 @@
                     </a:solidFill>
                   </a:tcPr>
                 </a:tc>
+                <a:extLst>
+                  <a:ext uri="{0D108BD9-81ED-4DB2-BD59-A6C34878D82A}">
+                    <a16:rowId xmlns:a16="http://schemas.microsoft.com/office/drawing/2014/main" val="10004"/>
+                  </a:ext>
+                </a:extLst>
               </a:tr>
             </a:tbl>
           </a:graphicData>
@@ -13141,13 +13229,13 @@
   <p:clrMapOvr>
     <a:masterClrMapping/>
   </p:clrMapOvr>
-  <mc:AlternateContent xmlns:mc="http://schemas.openxmlformats.org/markup-compatibility/2006">
-    <mc:Choice xmlns:p14="http://schemas.microsoft.com/office/powerpoint/2010/main" Requires="p14">
+  <mc:AlternateContent xmlns:mc="http://schemas.openxmlformats.org/markup-compatibility/2006" xmlns:p14="http://schemas.microsoft.com/office/powerpoint/2010/main">
+    <mc:Choice Requires="p14">
       <p:transition spd="slow" p14:dur="1200" advClick="0" advTm="0">
         <p14:prism/>
       </p:transition>
     </mc:Choice>
-    <mc:Fallback>
+    <mc:Fallback xmlns="">
       <p:transition spd="slow" advClick="0" advTm="0">
         <p:fade/>
       </p:transition>
@@ -14664,13 +14752,13 @@
   <p:clrMapOvr>
     <a:masterClrMapping/>
   </p:clrMapOvr>
-  <mc:AlternateContent xmlns:mc="http://schemas.openxmlformats.org/markup-compatibility/2006">
-    <mc:Choice xmlns:p14="http://schemas.microsoft.com/office/powerpoint/2010/main" Requires="p14">
+  <mc:AlternateContent xmlns:mc="http://schemas.openxmlformats.org/markup-compatibility/2006" xmlns:p14="http://schemas.microsoft.com/office/powerpoint/2010/main">
+    <mc:Choice Requires="p14">
       <p:transition spd="slow" p14:dur="1200" advClick="0" advTm="0">
         <p14:prism/>
       </p:transition>
     </mc:Choice>
-    <mc:Fallback>
+    <mc:Fallback xmlns="">
       <p:transition spd="slow" advClick="0" advTm="0">
         <p:fade/>
       </p:transition>
@@ -16284,16 +16372,6 @@
               </a:rPr>
               <a:t>汇报结束 感谢观看</a:t>
             </a:r>
-            <a:endParaRPr lang="zh-CN" altLang="en-US" sz="3600" b="1" dirty="0">
-              <a:solidFill>
-                <a:schemeClr val="tx1">
-                  <a:lumMod val="75000"/>
-                  <a:lumOff val="25000"/>
-                </a:schemeClr>
-              </a:solidFill>
-              <a:latin typeface="微软雅黑" panose="020B0503020204020204" pitchFamily="34" charset="-122"/>
-              <a:ea typeface="微软雅黑" panose="020B0503020204020204" pitchFamily="34" charset="-122"/>
-            </a:endParaRPr>
           </a:p>
         </p:txBody>
       </p:sp>
@@ -16455,16 +16533,16 @@
             <a:picLocks noChangeAspect="1"/>
           </p:cNvPicPr>
           <p:nvPr>
-            <a:audioFile r:link="rId1"/>
+            <a:audioFile r:link="rId2"/>
             <p:extLst>
               <p:ext uri="{DAA4B4D4-6D71-4841-9C94-3DE7FCFB9230}">
-                <p14:media xmlns:p14="http://schemas.microsoft.com/office/powerpoint/2010/main" r:embed="rId2"/>
+                <p14:media xmlns:p14="http://schemas.microsoft.com/office/powerpoint/2010/main" r:embed="rId1"/>
               </p:ext>
             </p:extLst>
           </p:nvPr>
         </p:nvPicPr>
         <p:blipFill>
-          <a:blip r:embed="rId3"/>
+          <a:blip r:embed="rId5"/>
           <a:stretch>
             <a:fillRect/>
           </a:stretch>
@@ -16512,14 +16590,6 @@
               </a:rPr>
               <a:t>浙江大学城市学院</a:t>
             </a:r>
-            <a:endParaRPr lang="zh-CN" altLang="en-US" kern="300" spc="2000">
-              <a:solidFill>
-                <a:schemeClr val="tx1"/>
-              </a:solidFill>
-              <a:uFillTx/>
-              <a:latin typeface="+中文标题" charset="0"/>
-              <a:ea typeface="+mj-ea"/>
-            </a:endParaRPr>
           </a:p>
         </p:txBody>
       </p:sp>
@@ -16528,13 +16598,13 @@
   <p:clrMapOvr>
     <a:masterClrMapping/>
   </p:clrMapOvr>
-  <mc:AlternateContent xmlns:mc="http://schemas.openxmlformats.org/markup-compatibility/2006">
-    <mc:Choice xmlns:p14="http://schemas.microsoft.com/office/powerpoint/2010/main" Requires="p14">
+  <mc:AlternateContent xmlns:mc="http://schemas.openxmlformats.org/markup-compatibility/2006" xmlns:p14="http://schemas.microsoft.com/office/powerpoint/2010/main">
+    <mc:Choice Requires="p14">
       <p:transition spd="slow" p14:dur="1600" advClick="0" advTm="0">
         <p:blinds dir="vert"/>
       </p:transition>
     </mc:Choice>
-    <mc:Fallback>
+    <mc:Fallback xmlns="">
       <p:transition spd="slow" advClick="0" advTm="0">
         <p:blinds dir="vert"/>
       </p:transition>
@@ -18672,7 +18742,6 @@
               <a:rPr lang="en-US" altLang="zh-CN" sz="2400" dirty="0"/>
               <a:t>1.1</a:t>
             </a:r>
-            <a:endParaRPr lang="en-US" altLang="zh-CN" sz="2400" dirty="0"/>
           </a:p>
         </p:txBody>
       </p:sp>
@@ -18881,7 +18950,6 @@
                 <a:rPr lang="en-US" altLang="zh-CN" sz="2000" dirty="0" smtClean="0"/>
                 <a:t>Software</a:t>
               </a:r>
-              <a:endParaRPr lang="en-US" altLang="zh-CN" sz="2000" dirty="0" smtClean="0"/>
             </a:p>
             <a:p>
               <a:r>
@@ -18940,7 +19008,6 @@
                 <a:rPr lang="zh-CN" altLang="zh-CN" sz="2000" dirty="0"/>
                 <a:t>，这个工具都是适用的。</a:t>
               </a:r>
-              <a:endParaRPr lang="zh-CN" altLang="zh-CN" sz="2000" dirty="0"/>
             </a:p>
             <a:p>
               <a:r>
@@ -18998,7 +19065,6 @@
                 <a:rPr lang="zh-CN" altLang="zh-CN" sz="2000" dirty="0"/>
                 <a:t>包括了如下子工具：</a:t>
               </a:r>
-              <a:endParaRPr lang="zh-CN" altLang="zh-CN" sz="2000" dirty="0"/>
             </a:p>
             <a:p>
               <a:r>
@@ -19236,13 +19302,6 @@
               </a:rPr>
               <a:t>特性</a:t>
             </a:r>
-            <a:endParaRPr lang="zh-CN" altLang="en-US" sz="2665" dirty="0" smtClean="0">
-              <a:solidFill>
-                <a:srgbClr val="183A5D"/>
-              </a:solidFill>
-              <a:latin typeface="微软雅黑" panose="020B0503020204020204" pitchFamily="34" charset="-122"/>
-              <a:ea typeface="微软雅黑" panose="020B0503020204020204" pitchFamily="34" charset="-122"/>
-            </a:endParaRPr>
           </a:p>
         </p:txBody>
       </p:sp>
@@ -20027,11 +20086,6 @@
                 </a:rPr>
                 <a:t>规范</a:t>
               </a:r>
-              <a:endParaRPr lang="zh-CN" altLang="zh-CN" sz="2000" b="1" i="1" dirty="0">
-                <a:solidFill>
-                  <a:srgbClr val="FF0000"/>
-                </a:solidFill>
-              </a:endParaRPr>
             </a:p>
             <a:p>
               <a:r>
@@ -20074,7 +20128,6 @@
                 <a:rPr lang="zh-CN" altLang="zh-CN" sz="2000" dirty="0"/>
                 <a:t>能够理解并应用原型；对于部署图而言，改进了实例建模，并包含了原型可访问性的更新；在时序图中改进了失败生命线的交互操作；结构图改进了端口、部件的符号。</a:t>
               </a:r>
-              <a:endParaRPr lang="zh-CN" altLang="zh-CN" sz="2000" dirty="0"/>
             </a:p>
             <a:p>
               <a:r>
@@ -20093,11 +20146,6 @@
                 </a:rPr>
                 <a:t>搜索功能的改进</a:t>
               </a:r>
-              <a:endParaRPr lang="zh-CN" altLang="zh-CN" sz="2000" b="1" i="1" dirty="0">
-                <a:solidFill>
-                  <a:srgbClr val="FF0000"/>
-                </a:solidFill>
-              </a:endParaRPr>
             </a:p>
             <a:p>
               <a:r>
@@ -20148,7 +20196,6 @@
                 <a:rPr lang="zh-CN" altLang="zh-CN" sz="2000" dirty="0"/>
                 <a:t>。</a:t>
               </a:r>
-              <a:endParaRPr lang="zh-CN" altLang="zh-CN" sz="2000" dirty="0"/>
             </a:p>
             <a:p>
               <a:r>
@@ -20167,11 +20214,6 @@
                 </a:rPr>
                 <a:t>模型可用性的改进</a:t>
               </a:r>
-              <a:endParaRPr lang="zh-CN" altLang="zh-CN" sz="2000" b="1" i="1" dirty="0">
-                <a:solidFill>
-                  <a:srgbClr val="FF0000"/>
-                </a:solidFill>
-              </a:endParaRPr>
             </a:p>
             <a:p>
               <a:r>
@@ -20206,7 +20248,6 @@
                 <a:rPr lang="zh-CN" altLang="zh-CN" sz="2000" dirty="0"/>
                 <a:t>活动，针对注释和几何图形的连接器助手等。</a:t>
               </a:r>
-              <a:endParaRPr lang="zh-CN" altLang="zh-CN" sz="2000" dirty="0"/>
             </a:p>
             <a:p>
               <a:endParaRPr lang="zh-CN" altLang="zh-CN" sz="2000" dirty="0"/>
@@ -20387,13 +20428,6 @@
               </a:rPr>
               <a:t>主界面</a:t>
             </a:r>
-            <a:endParaRPr lang="zh-CN" altLang="en-US" sz="2665" dirty="0" smtClean="0">
-              <a:solidFill>
-                <a:srgbClr val="183A5D"/>
-              </a:solidFill>
-              <a:latin typeface="微软雅黑" panose="020B0503020204020204" pitchFamily="34" charset="-122"/>
-              <a:ea typeface="微软雅黑" panose="020B0503020204020204" pitchFamily="34" charset="-122"/>
-            </a:endParaRPr>
           </a:p>
         </p:txBody>
       </p:sp>
@@ -20406,7 +20440,7 @@
           <p:nvPr/>
         </p:nvPicPr>
         <p:blipFill>
-          <a:blip r:embed="rId1">
+          <a:blip r:embed="rId2">
             <a:extLst>
               <a:ext uri="{28A0092B-C50C-407E-A947-70E740481C1C}">
                 <a14:useLocalDpi xmlns:a14="http://schemas.microsoft.com/office/drawing/2010/main" val="0"/>
@@ -20436,7 +20470,7 @@
           <p:nvPr/>
         </p:nvPicPr>
         <p:blipFill>
-          <a:blip r:embed="rId2"/>
+          <a:blip r:embed="rId3"/>
           <a:stretch>
             <a:fillRect/>
           </a:stretch>
@@ -21807,8 +21841,8 @@
                 <a:t>. </a:t>
               </a:r>
               <a:r>
-                <a:rPr lang="en-US" altLang="zh-CN" dirty="0" err="1"/>
-                <a:t>PowerDesign</a:t>
+                <a:rPr lang="en-US" altLang="zh-CN" smtClean="0"/>
+                <a:t>PowerDesigner</a:t>
               </a:r>
               <a:endParaRPr lang="zh-CN" altLang="zh-CN" sz="2000" b="1" i="1" dirty="0"/>
             </a:p>
@@ -21876,7 +21910,6 @@
                 <a:rPr lang="en-US" altLang="zh-CN" dirty="0" smtClean="0"/>
                 <a:t>Visio</a:t>
               </a:r>
-              <a:endParaRPr lang="en-US" altLang="zh-CN" dirty="0" smtClean="0"/>
             </a:p>
             <a:p>
               <a:r>
@@ -22235,6 +22268,8 @@
       </a:bgFillStyleLst>
     </a:fmtScheme>
   </a:themeElements>
+  <a:objectDefaults/>
+  <a:extraClrSchemeLst/>
   <a:extLst>
     <a:ext uri="{05A4C25C-085E-4340-85A3-A5531E510DB2}">
       <thm15:themeFamily xmlns:thm15="http://schemas.microsoft.com/office/thememl/2012/main" name="Office Theme" id="{62F939B6-93AF-4DB8-9C6B-D6C7DFDC589F}" vid="{4A3C46E8-61CC-4603-A589-7422A47A8E4A}"/>
@@ -22523,6 +22558,8 @@
       </a:bgFillStyleLst>
     </a:fmtScheme>
   </a:themeElements>
+  <a:objectDefaults/>
+  <a:extraClrSchemeLst/>
   <a:extLst>
     <a:ext uri="{05A4C25C-085E-4340-85A3-A5531E510DB2}">
       <thm15:themeFamily xmlns:thm15="http://schemas.microsoft.com/office/thememl/2012/main" name="Office Theme" id="{62F939B6-93AF-4DB8-9C6B-D6C7DFDC589F}" vid="{4A3C46E8-61CC-4603-A589-7422A47A8E4A}"/>
@@ -22811,6 +22848,8 @@
       </a:bgFillStyleLst>
     </a:fmtScheme>
   </a:themeElements>
+  <a:objectDefaults/>
+  <a:extraClrSchemeLst/>
   <a:extLst>
     <a:ext uri="{05A4C25C-085E-4340-85A3-A5531E510DB2}">
       <thm15:themeFamily xmlns:thm15="http://schemas.microsoft.com/office/thememl/2012/main" name="Office Theme" id="{62F939B6-93AF-4DB8-9C6B-D6C7DFDC589F}" vid="{4A3C46E8-61CC-4603-A589-7422A47A8E4A}"/>
